--- a/Documentation/Zwischenbericht.pptx
+++ b/Documentation/Zwischenbericht.pptx
@@ -5,10 +5,10 @@
     <p:sldMasterId id="2147483648" r:id="rId1"/>
   </p:sldMasterIdLst>
   <p:notesMasterIdLst>
-    <p:notesMasterId r:id="rId11"/>
+    <p:notesMasterId r:id="rId10"/>
   </p:notesMasterIdLst>
   <p:handoutMasterIdLst>
-    <p:handoutMasterId r:id="rId12"/>
+    <p:handoutMasterId r:id="rId11"/>
   </p:handoutMasterIdLst>
   <p:sldIdLst>
     <p:sldId id="284" r:id="rId2"/>
@@ -16,10 +16,9 @@
     <p:sldId id="285" r:id="rId4"/>
     <p:sldId id="286" r:id="rId5"/>
     <p:sldId id="287" r:id="rId6"/>
-    <p:sldId id="288" r:id="rId7"/>
-    <p:sldId id="289" r:id="rId8"/>
-    <p:sldId id="291" r:id="rId9"/>
-    <p:sldId id="292" r:id="rId10"/>
+    <p:sldId id="293" r:id="rId7"/>
+    <p:sldId id="288" r:id="rId8"/>
+    <p:sldId id="289" r:id="rId9"/>
   </p:sldIdLst>
   <p:sldSz cx="9144000" cy="6858000" type="screen4x3"/>
   <p:notesSz cx="6858000" cy="9144000"/>
@@ -118,6 +117,22 @@
       </a:defRPr>
     </a:lvl9pPr>
   </p:defaultTextStyle>
+  <p:extLst>
+    <p:ext uri="{EFAFB233-063F-42B5-8137-9DF3F51BA10A}">
+      <p15:sldGuideLst xmlns:p15="http://schemas.microsoft.com/office/powerpoint/2012/main">
+        <p15:guide id="1" orient="horz" pos="2160">
+          <p15:clr>
+            <a:srgbClr val="A4A3A4"/>
+          </p15:clr>
+        </p15:guide>
+        <p15:guide id="2" pos="2880">
+          <p15:clr>
+            <a:srgbClr val="A4A3A4"/>
+          </p15:clr>
+        </p15:guide>
+      </p15:sldGuideLst>
+    </p:ext>
+  </p:extLst>
 </p:presentation>
 </file>
 
@@ -207,7 +222,7 @@
           <a:p>
             <a:fld id="{8AE74387-3338-4E7C-9760-2B69CD6BB1E1}" type="datetimeFigureOut">
               <a:rPr lang="de-DE" smtClean="0"/>
-              <a:t>14.11.2014</a:t>
+              <a:t>16.11.2014</a:t>
             </a:fld>
             <a:endParaRPr lang="de-DE" dirty="0"/>
           </a:p>
@@ -377,7 +392,7 @@
           <a:p>
             <a:fld id="{161CFFB1-133F-4948-BA28-07ED01B80AC5}" type="datetimeFigureOut">
               <a:rPr lang="de-DE" smtClean="0"/>
-              <a:t>14.11.2014</a:t>
+              <a:t>16.11.2014</a:t>
             </a:fld>
             <a:endParaRPr lang="de-DE" dirty="0"/>
           </a:p>
@@ -3808,7 +3823,15 @@
                 <a:ea typeface="Verdana" pitchFamily="34" charset="0"/>
                 <a:cs typeface="Arial" pitchFamily="34" charset="0"/>
               </a:rPr>
-              <a:t>Objektorientierte Komponenten-Architekturen</a:t>
+              <a:t>Objektorientierte </a:t>
+            </a:r>
+            <a:r>
+              <a:rPr lang="de-DE" sz="2400" dirty="0" smtClean="0">
+                <a:latin typeface="Arial" pitchFamily="34" charset="0"/>
+                <a:ea typeface="Verdana" pitchFamily="34" charset="0"/>
+                <a:cs typeface="Arial" pitchFamily="34" charset="0"/>
+              </a:rPr>
+              <a:t>Komponentenarchitekturen</a:t>
             </a:r>
             <a:endParaRPr lang="de-DE" sz="2400" dirty="0" smtClean="0">
               <a:latin typeface="Arial" pitchFamily="34" charset="0"/>
@@ -3839,39 +3862,18 @@
                 <a:ea typeface="Verdana" pitchFamily="34" charset="0"/>
                 <a:cs typeface="Arial" pitchFamily="34" charset="0"/>
               </a:rPr>
-              <a:t> </a:t>
-            </a:r>
+              <a:t> Computer Science</a:t>
+            </a:r>
+          </a:p>
+          <a:p>
             <a:r>
               <a:rPr lang="de-DE" sz="2400" dirty="0" smtClean="0">
                 <a:latin typeface="Arial" pitchFamily="34" charset="0"/>
                 <a:ea typeface="Verdana" pitchFamily="34" charset="0"/>
                 <a:cs typeface="Arial" pitchFamily="34" charset="0"/>
               </a:rPr>
-              <a:t>Computer Science</a:t>
-            </a:r>
-          </a:p>
-          <a:p>
-            <a:r>
-              <a:rPr lang="de-DE" sz="2400" dirty="0" smtClean="0">
-                <a:latin typeface="Arial" pitchFamily="34" charset="0"/>
-                <a:ea typeface="Verdana" pitchFamily="34" charset="0"/>
-                <a:cs typeface="Arial" pitchFamily="34" charset="0"/>
-              </a:rPr>
-              <a:t>WS </a:t>
-            </a:r>
-            <a:r>
-              <a:rPr lang="de-DE" sz="2400" dirty="0" smtClean="0">
-                <a:latin typeface="Arial" pitchFamily="34" charset="0"/>
-                <a:ea typeface="Verdana" pitchFamily="34" charset="0"/>
-                <a:cs typeface="Arial" pitchFamily="34" charset="0"/>
-              </a:rPr>
-              <a:t>2014 / 2015</a:t>
-            </a:r>
-            <a:endParaRPr lang="de-DE" sz="2400" dirty="0" smtClean="0">
-              <a:latin typeface="Arial" pitchFamily="34" charset="0"/>
-              <a:ea typeface="Verdana" pitchFamily="34" charset="0"/>
-              <a:cs typeface="Arial" pitchFamily="34" charset="0"/>
-            </a:endParaRPr>
+              <a:t>WS 2014 / 2015</a:t>
+            </a:r>
           </a:p>
           <a:p>
             <a:endParaRPr lang="de-DE" sz="2400" dirty="0">
@@ -3887,15 +3889,7 @@
                 <a:ea typeface="Verdana" pitchFamily="34" charset="0"/>
                 <a:cs typeface="Arial" pitchFamily="34" charset="0"/>
               </a:rPr>
-              <a:t>Bastian </a:t>
-            </a:r>
-            <a:r>
-              <a:rPr lang="de-DE" sz="2400" dirty="0" smtClean="0">
-                <a:latin typeface="Arial" pitchFamily="34" charset="0"/>
-                <a:ea typeface="Verdana" pitchFamily="34" charset="0"/>
-                <a:cs typeface="Arial" pitchFamily="34" charset="0"/>
-              </a:rPr>
-              <a:t>Mager, Patrick Robinson</a:t>
+              <a:t>Bastian Mager, Patrick Robinson</a:t>
             </a:r>
             <a:endParaRPr lang="de-DE" sz="2400" dirty="0">
               <a:latin typeface="Arial" pitchFamily="34" charset="0"/>
@@ -4038,18 +4032,13 @@
               </a:buClr>
             </a:pPr>
             <a:r>
-              <a:rPr lang="de-DE" sz="2400" dirty="0" smtClean="0">
+              <a:rPr lang="de-DE" dirty="0" smtClean="0">
                 <a:latin typeface="Arial" pitchFamily="34" charset="0"/>
                 <a:ea typeface="Verdana" pitchFamily="34" charset="0"/>
                 <a:cs typeface="Arial" pitchFamily="34" charset="0"/>
               </a:rPr>
               <a:t>Einführung und Ziele</a:t>
             </a:r>
-            <a:endParaRPr lang="de-DE" sz="2400" dirty="0" smtClean="0">
-              <a:latin typeface="Arial" pitchFamily="34" charset="0"/>
-              <a:ea typeface="Verdana" pitchFamily="34" charset="0"/>
-              <a:cs typeface="Arial" pitchFamily="34" charset="0"/>
-            </a:endParaRPr>
           </a:p>
           <a:p>
             <a:pPr>
@@ -4058,18 +4047,13 @@
               </a:buClr>
             </a:pPr>
             <a:r>
-              <a:rPr lang="de-DE" sz="2400" dirty="0" smtClean="0">
+              <a:rPr lang="de-DE" dirty="0" smtClean="0">
                 <a:latin typeface="Arial" pitchFamily="34" charset="0"/>
                 <a:ea typeface="Verdana" pitchFamily="34" charset="0"/>
                 <a:cs typeface="Arial" pitchFamily="34" charset="0"/>
               </a:rPr>
               <a:t>Randbedingungen</a:t>
             </a:r>
-            <a:endParaRPr lang="de-DE" sz="2400" dirty="0" smtClean="0">
-              <a:latin typeface="Arial" pitchFamily="34" charset="0"/>
-              <a:ea typeface="Verdana" pitchFamily="34" charset="0"/>
-              <a:cs typeface="Arial" pitchFamily="34" charset="0"/>
-            </a:endParaRPr>
           </a:p>
           <a:p>
             <a:pPr>
@@ -4078,14 +4062,14 @@
               </a:buClr>
             </a:pPr>
             <a:r>
-              <a:rPr lang="de-DE" sz="2400" dirty="0" smtClean="0">
+              <a:rPr lang="de-DE" dirty="0" smtClean="0">
                 <a:latin typeface="Arial" pitchFamily="34" charset="0"/>
                 <a:ea typeface="Verdana" pitchFamily="34" charset="0"/>
                 <a:cs typeface="Arial" pitchFamily="34" charset="0"/>
               </a:rPr>
               <a:t>Kontextabgrenzung</a:t>
             </a:r>
-            <a:endParaRPr lang="de-DE" sz="2400" dirty="0">
+            <a:endParaRPr lang="de-DE" dirty="0">
               <a:latin typeface="Arial" pitchFamily="34" charset="0"/>
               <a:ea typeface="Verdana" pitchFamily="34" charset="0"/>
               <a:cs typeface="Arial" pitchFamily="34" charset="0"/>
@@ -4098,29 +4082,14 @@
               </a:buClr>
             </a:pPr>
             <a:r>
-              <a:rPr lang="de-DE" sz="2400" dirty="0" smtClean="0">
+              <a:rPr lang="de-DE" dirty="0" smtClean="0">
                 <a:latin typeface="Arial" pitchFamily="34" charset="0"/>
                 <a:ea typeface="Verdana" pitchFamily="34" charset="0"/>
                 <a:cs typeface="Arial" pitchFamily="34" charset="0"/>
               </a:rPr>
               <a:t>Bausteinansicht</a:t>
             </a:r>
-          </a:p>
-          <a:p>
-            <a:pPr>
-              <a:buClr>
-                <a:srgbClr val="28BFEE"/>
-              </a:buClr>
-            </a:pPr>
-            <a:r>
-              <a:rPr lang="de-DE" sz="2400" dirty="0" smtClean="0">
-                <a:latin typeface="Arial" pitchFamily="34" charset="0"/>
-                <a:ea typeface="Verdana" pitchFamily="34" charset="0"/>
-                <a:cs typeface="Arial" pitchFamily="34" charset="0"/>
-              </a:rPr>
-              <a:t>Risiken</a:t>
-            </a:r>
-            <a:endParaRPr lang="de-DE" sz="2400" dirty="0" smtClean="0">
+            <a:endParaRPr lang="de-DE" dirty="0" smtClean="0">
               <a:latin typeface="Arial" pitchFamily="34" charset="0"/>
               <a:ea typeface="Verdana" pitchFamily="34" charset="0"/>
               <a:cs typeface="Arial" pitchFamily="34" charset="0"/>
@@ -4148,14 +4117,7 @@
                 <a:latin typeface="Arial" pitchFamily="34" charset="0"/>
                 <a:cs typeface="Arial" pitchFamily="34" charset="0"/>
               </a:rPr>
-              <a:t>Bastian </a:t>
-            </a:r>
-            <a:r>
-              <a:rPr lang="de-DE" dirty="0" smtClean="0">
-                <a:latin typeface="Arial" pitchFamily="34" charset="0"/>
-                <a:cs typeface="Arial" pitchFamily="34" charset="0"/>
-              </a:rPr>
-              <a:t>Mager</a:t>
+              <a:t>Bastian Mager</a:t>
             </a:r>
           </a:p>
           <a:p>
@@ -4438,14 +4400,7 @@
                 <a:latin typeface="Arial" pitchFamily="34" charset="0"/>
                 <a:cs typeface="Arial" pitchFamily="34" charset="0"/>
               </a:rPr>
-              <a:t>Bastian </a:t>
-            </a:r>
-            <a:r>
-              <a:rPr lang="de-DE" dirty="0" smtClean="0">
-                <a:latin typeface="Arial" pitchFamily="34" charset="0"/>
-                <a:cs typeface="Arial" pitchFamily="34" charset="0"/>
-              </a:rPr>
-              <a:t>Mager</a:t>
+              <a:t>Bastian Mager</a:t>
             </a:r>
           </a:p>
           <a:p>
@@ -4540,7 +4495,7 @@
           <p:nvPr>
             <p:extLst>
               <p:ext uri="{D42A27DB-BD31-4B8C-83A1-F6EECF244321}">
-                <p14:modId xmlns:p14="http://schemas.microsoft.com/office/powerpoint/2010/main" val="2981600196"/>
+                <p14:modId xmlns:p14="http://schemas.microsoft.com/office/powerpoint/2010/main" val="1475940974"/>
               </p:ext>
             </p:extLst>
           </p:nvPr>
@@ -4966,12 +4921,6 @@
                           <a:spcPts val="0"/>
                         </a:spcAft>
                       </a:pPr>
-                      <a:r>
-                        <a:rPr lang="de-DE" sz="1200" dirty="0">
-                          <a:effectLst/>
-                        </a:rPr>
-                        <a:t>TODO: Soll der hier rein?</a:t>
-                      </a:r>
                       <a:endParaRPr lang="de-DE" sz="1200" dirty="0">
                         <a:effectLst/>
                         <a:latin typeface="Calibri"/>
@@ -5254,11 +5203,6 @@
               </a:rPr>
               <a:t>Modellierung nach 4-Sichten-Modell	</a:t>
             </a:r>
-            <a:endParaRPr lang="de-DE" sz="1600" dirty="0" smtClean="0">
-              <a:latin typeface="Arial" pitchFamily="34" charset="0"/>
-              <a:ea typeface="Verdana" pitchFamily="34" charset="0"/>
-              <a:cs typeface="Arial" pitchFamily="34" charset="0"/>
-            </a:endParaRPr>
           </a:p>
         </p:txBody>
       </p:sp>
@@ -5282,14 +5226,7 @@
                 <a:latin typeface="Arial" pitchFamily="34" charset="0"/>
                 <a:cs typeface="Arial" pitchFamily="34" charset="0"/>
               </a:rPr>
-              <a:t>Bastian </a:t>
-            </a:r>
-            <a:r>
-              <a:rPr lang="de-DE" dirty="0" smtClean="0">
-                <a:latin typeface="Arial" pitchFamily="34" charset="0"/>
-                <a:cs typeface="Arial" pitchFamily="34" charset="0"/>
-              </a:rPr>
-              <a:t>Mager</a:t>
+              <a:t>Bastian Mager</a:t>
             </a:r>
           </a:p>
           <a:p>
@@ -5470,14 +5407,7 @@
                 <a:latin typeface="Arial" pitchFamily="34" charset="0"/>
                 <a:cs typeface="Arial" pitchFamily="34" charset="0"/>
               </a:rPr>
-              <a:t>Bastian </a:t>
-            </a:r>
-            <a:r>
-              <a:rPr lang="de-DE" dirty="0" smtClean="0">
-                <a:latin typeface="Arial" pitchFamily="34" charset="0"/>
-                <a:cs typeface="Arial" pitchFamily="34" charset="0"/>
-              </a:rPr>
-              <a:t>Mager</a:t>
+              <a:t>Bastian Mager</a:t>
             </a:r>
           </a:p>
           <a:p>
@@ -5643,6 +5573,335 @@
             <p:ph type="title"/>
           </p:nvPr>
         </p:nvSpPr>
+        <p:spPr/>
+        <p:txBody>
+          <a:bodyPr/>
+          <a:lstStyle/>
+          <a:p>
+            <a:r>
+              <a:rPr lang="de-DE" dirty="0" smtClean="0"/>
+              <a:t>Fachliche Abgrenzung</a:t>
+            </a:r>
+            <a:endParaRPr lang="en-GB" dirty="0"/>
+          </a:p>
+        </p:txBody>
+      </p:sp>
+      <p:pic>
+        <p:nvPicPr>
+          <p:cNvPr id="9" name="Inhaltsplatzhalter 8"/>
+          <p:cNvPicPr>
+            <a:picLocks noGrp="1" noChangeAspect="1"/>
+          </p:cNvPicPr>
+          <p:nvPr>
+            <p:ph idx="1"/>
+          </p:nvPr>
+        </p:nvPicPr>
+        <p:blipFill>
+          <a:blip r:embed="rId2">
+            <a:extLst>
+              <a:ext uri="{28A0092B-C50C-407E-A947-70E740481C1C}">
+                <a14:useLocalDpi xmlns:a14="http://schemas.microsoft.com/office/drawing/2010/main" val="0"/>
+              </a:ext>
+            </a:extLst>
+          </a:blip>
+          <a:stretch>
+            <a:fillRect/>
+          </a:stretch>
+        </p:blipFill>
+        <p:spPr>
+          <a:xfrm>
+            <a:off x="1619672" y="3011115"/>
+            <a:ext cx="5683998" cy="3104513"/>
+          </a:xfrm>
+        </p:spPr>
+      </p:pic>
+      <p:sp>
+        <p:nvSpPr>
+          <p:cNvPr id="4" name="Datumsplatzhalter 3"/>
+          <p:cNvSpPr>
+            <a:spLocks noGrp="1"/>
+          </p:cNvSpPr>
+          <p:nvPr>
+            <p:ph type="dt" sz="half" idx="10"/>
+          </p:nvPr>
+        </p:nvSpPr>
+        <p:spPr/>
+        <p:txBody>
+          <a:bodyPr/>
+          <a:lstStyle/>
+          <a:p>
+            <a:r>
+              <a:rPr lang="de-DE" dirty="0" smtClean="0"/>
+              <a:t>Bastian Mager</a:t>
+            </a:r>
+          </a:p>
+          <a:p>
+            <a:r>
+              <a:rPr lang="de-DE" dirty="0" smtClean="0"/>
+              <a:t>Patrick Robinson</a:t>
+            </a:r>
+            <a:endParaRPr lang="de-DE" dirty="0"/>
+          </a:p>
+        </p:txBody>
+      </p:sp>
+      <p:sp>
+        <p:nvSpPr>
+          <p:cNvPr id="5" name="Fußzeilenplatzhalter 4"/>
+          <p:cNvSpPr>
+            <a:spLocks noGrp="1"/>
+          </p:cNvSpPr>
+          <p:nvPr>
+            <p:ph type="ftr" sz="quarter" idx="11"/>
+          </p:nvPr>
+        </p:nvSpPr>
+        <p:spPr/>
+        <p:txBody>
+          <a:bodyPr/>
+          <a:lstStyle/>
+          <a:p>
+            <a:r>
+              <a:rPr lang="de-DE" smtClean="0"/>
+              <a:t>Seminar Komplexe Softwaresysteme WS 2012</a:t>
+            </a:r>
+            <a:endParaRPr lang="de-DE" dirty="0"/>
+          </a:p>
+        </p:txBody>
+      </p:sp>
+      <p:sp>
+        <p:nvSpPr>
+          <p:cNvPr id="6" name="Foliennummernplatzhalter 5"/>
+          <p:cNvSpPr>
+            <a:spLocks noGrp="1"/>
+          </p:cNvSpPr>
+          <p:nvPr>
+            <p:ph type="sldNum" sz="quarter" idx="12"/>
+          </p:nvPr>
+        </p:nvSpPr>
+        <p:spPr/>
+        <p:txBody>
+          <a:bodyPr/>
+          <a:lstStyle/>
+          <a:p>
+            <a:fld id="{1C3A6E7F-622B-4F14-9E5C-4F574E6FA89A}" type="slidenum">
+              <a:rPr lang="de-DE" smtClean="0"/>
+              <a:t>6</a:t>
+            </a:fld>
+            <a:endParaRPr lang="de-DE" dirty="0"/>
+          </a:p>
+        </p:txBody>
+      </p:sp>
+      <p:sp>
+        <p:nvSpPr>
+          <p:cNvPr id="8" name="Inhaltsplatzhalter 2"/>
+          <p:cNvSpPr txBox="1">
+            <a:spLocks/>
+          </p:cNvSpPr>
+          <p:nvPr/>
+        </p:nvSpPr>
+        <p:spPr>
+          <a:xfrm>
+            <a:off x="457200" y="1647825"/>
+            <a:ext cx="8229600" cy="1133103"/>
+          </a:xfrm>
+          <a:prstGeom prst="rect">
+            <a:avLst/>
+          </a:prstGeom>
+        </p:spPr>
+        <p:txBody>
+          <a:bodyPr vert="horz" lIns="91440" tIns="45720" rIns="91440" bIns="45720" rtlCol="0">
+            <a:normAutofit lnSpcReduction="10000"/>
+          </a:bodyPr>
+          <a:lstStyle>
+            <a:lvl1pPr marL="342900" indent="-342900" algn="l" defTabSz="914400" rtl="0" eaLnBrk="1" latinLnBrk="0" hangingPunct="1">
+              <a:spcBef>
+                <a:spcPct val="20000"/>
+              </a:spcBef>
+              <a:buFont typeface="Arial" pitchFamily="34" charset="0"/>
+              <a:buChar char="•"/>
+              <a:defRPr sz="3200" kern="1200">
+                <a:solidFill>
+                  <a:schemeClr val="tx1"/>
+                </a:solidFill>
+                <a:latin typeface="+mn-lt"/>
+                <a:ea typeface="+mn-ea"/>
+                <a:cs typeface="+mn-cs"/>
+              </a:defRPr>
+            </a:lvl1pPr>
+            <a:lvl2pPr marL="742950" indent="-285750" algn="l" defTabSz="914400" rtl="0" eaLnBrk="1" latinLnBrk="0" hangingPunct="1">
+              <a:spcBef>
+                <a:spcPct val="20000"/>
+              </a:spcBef>
+              <a:buFont typeface="Arial" pitchFamily="34" charset="0"/>
+              <a:buChar char="–"/>
+              <a:defRPr sz="2800" kern="1200">
+                <a:solidFill>
+                  <a:schemeClr val="tx1"/>
+                </a:solidFill>
+                <a:latin typeface="+mn-lt"/>
+                <a:ea typeface="+mn-ea"/>
+                <a:cs typeface="+mn-cs"/>
+              </a:defRPr>
+            </a:lvl2pPr>
+            <a:lvl3pPr marL="1143000" indent="-228600" algn="l" defTabSz="914400" rtl="0" eaLnBrk="1" latinLnBrk="0" hangingPunct="1">
+              <a:spcBef>
+                <a:spcPct val="20000"/>
+              </a:spcBef>
+              <a:buFont typeface="Arial" pitchFamily="34" charset="0"/>
+              <a:buChar char="•"/>
+              <a:defRPr sz="2400" kern="1200">
+                <a:solidFill>
+                  <a:schemeClr val="tx1"/>
+                </a:solidFill>
+                <a:latin typeface="+mn-lt"/>
+                <a:ea typeface="+mn-ea"/>
+                <a:cs typeface="+mn-cs"/>
+              </a:defRPr>
+            </a:lvl3pPr>
+            <a:lvl4pPr marL="1600200" indent="-228600" algn="l" defTabSz="914400" rtl="0" eaLnBrk="1" latinLnBrk="0" hangingPunct="1">
+              <a:spcBef>
+                <a:spcPct val="20000"/>
+              </a:spcBef>
+              <a:buFont typeface="Arial" pitchFamily="34" charset="0"/>
+              <a:buChar char="–"/>
+              <a:defRPr sz="2000" kern="1200">
+                <a:solidFill>
+                  <a:schemeClr val="tx1"/>
+                </a:solidFill>
+                <a:latin typeface="+mn-lt"/>
+                <a:ea typeface="+mn-ea"/>
+                <a:cs typeface="+mn-cs"/>
+              </a:defRPr>
+            </a:lvl4pPr>
+            <a:lvl5pPr marL="2057400" indent="-228600" algn="l" defTabSz="914400" rtl="0" eaLnBrk="1" latinLnBrk="0" hangingPunct="1">
+              <a:spcBef>
+                <a:spcPct val="20000"/>
+              </a:spcBef>
+              <a:buFont typeface="Arial" pitchFamily="34" charset="0"/>
+              <a:buChar char="»"/>
+              <a:defRPr sz="2000" kern="1200">
+                <a:solidFill>
+                  <a:schemeClr val="tx1"/>
+                </a:solidFill>
+                <a:latin typeface="+mn-lt"/>
+                <a:ea typeface="+mn-ea"/>
+                <a:cs typeface="+mn-cs"/>
+              </a:defRPr>
+            </a:lvl5pPr>
+            <a:lvl6pPr marL="2514600" indent="-228600" algn="l" defTabSz="914400" rtl="0" eaLnBrk="1" latinLnBrk="0" hangingPunct="1">
+              <a:spcBef>
+                <a:spcPct val="20000"/>
+              </a:spcBef>
+              <a:buFont typeface="Arial" pitchFamily="34" charset="0"/>
+              <a:buChar char="•"/>
+              <a:defRPr sz="2000" kern="1200">
+                <a:solidFill>
+                  <a:schemeClr val="tx1"/>
+                </a:solidFill>
+                <a:latin typeface="+mn-lt"/>
+                <a:ea typeface="+mn-ea"/>
+                <a:cs typeface="+mn-cs"/>
+              </a:defRPr>
+            </a:lvl6pPr>
+            <a:lvl7pPr marL="2971800" indent="-228600" algn="l" defTabSz="914400" rtl="0" eaLnBrk="1" latinLnBrk="0" hangingPunct="1">
+              <a:spcBef>
+                <a:spcPct val="20000"/>
+              </a:spcBef>
+              <a:buFont typeface="Arial" pitchFamily="34" charset="0"/>
+              <a:buChar char="•"/>
+              <a:defRPr sz="2000" kern="1200">
+                <a:solidFill>
+                  <a:schemeClr val="tx1"/>
+                </a:solidFill>
+                <a:latin typeface="+mn-lt"/>
+                <a:ea typeface="+mn-ea"/>
+                <a:cs typeface="+mn-cs"/>
+              </a:defRPr>
+            </a:lvl7pPr>
+            <a:lvl8pPr marL="3429000" indent="-228600" algn="l" defTabSz="914400" rtl="0" eaLnBrk="1" latinLnBrk="0" hangingPunct="1">
+              <a:spcBef>
+                <a:spcPct val="20000"/>
+              </a:spcBef>
+              <a:buFont typeface="Arial" pitchFamily="34" charset="0"/>
+              <a:buChar char="•"/>
+              <a:defRPr sz="2000" kern="1200">
+                <a:solidFill>
+                  <a:schemeClr val="tx1"/>
+                </a:solidFill>
+                <a:latin typeface="+mn-lt"/>
+                <a:ea typeface="+mn-ea"/>
+                <a:cs typeface="+mn-cs"/>
+              </a:defRPr>
+            </a:lvl8pPr>
+            <a:lvl9pPr marL="3886200" indent="-228600" algn="l" defTabSz="914400" rtl="0" eaLnBrk="1" latinLnBrk="0" hangingPunct="1">
+              <a:spcBef>
+                <a:spcPct val="20000"/>
+              </a:spcBef>
+              <a:buFont typeface="Arial" pitchFamily="34" charset="0"/>
+              <a:buChar char="•"/>
+              <a:defRPr sz="2000" kern="1200">
+                <a:solidFill>
+                  <a:schemeClr val="tx1"/>
+                </a:solidFill>
+                <a:latin typeface="+mn-lt"/>
+                <a:ea typeface="+mn-ea"/>
+                <a:cs typeface="+mn-cs"/>
+              </a:defRPr>
+            </a:lvl9pPr>
+          </a:lstStyle>
+          <a:p>
+            <a:r>
+              <a:rPr lang="de-DE" dirty="0" smtClean="0"/>
+              <a:t>Keine Nachbarsysteme</a:t>
+            </a:r>
+          </a:p>
+          <a:p>
+            <a:r>
+              <a:rPr lang="de-DE" dirty="0" smtClean="0"/>
+              <a:t>Grober interner Aufbau:</a:t>
+            </a:r>
+          </a:p>
+        </p:txBody>
+      </p:sp>
+    </p:spTree>
+    <p:extLst>
+      <p:ext uri="{BB962C8B-B14F-4D97-AF65-F5344CB8AC3E}">
+        <p14:creationId xmlns:p14="http://schemas.microsoft.com/office/powerpoint/2010/main" val="2074922350"/>
+      </p:ext>
+    </p:extLst>
+  </p:cSld>
+  <p:clrMapOvr>
+    <a:masterClrMapping/>
+  </p:clrMapOvr>
+</p:sld>
+</file>
+
+<file path=ppt/slides/slide7.xml><?xml version="1.0" encoding="utf-8"?>
+<p:sld xmlns:a="http://schemas.openxmlformats.org/drawingml/2006/main" xmlns:r="http://schemas.openxmlformats.org/officeDocument/2006/relationships" xmlns:p="http://schemas.openxmlformats.org/presentationml/2006/main">
+  <p:cSld>
+    <p:spTree>
+      <p:nvGrpSpPr>
+        <p:cNvPr id="1" name=""/>
+        <p:cNvGrpSpPr/>
+        <p:nvPr/>
+      </p:nvGrpSpPr>
+      <p:grpSpPr>
+        <a:xfrm>
+          <a:off x="0" y="0"/>
+          <a:ext cx="0" cy="0"/>
+          <a:chOff x="0" y="0"/>
+          <a:chExt cx="0" cy="0"/>
+        </a:xfrm>
+      </p:grpSpPr>
+      <p:sp>
+        <p:nvSpPr>
+          <p:cNvPr id="2" name="Titel 1"/>
+          <p:cNvSpPr>
+            <a:spLocks noGrp="1"/>
+          </p:cNvSpPr>
+          <p:nvPr>
+            <p:ph type="title"/>
+          </p:nvPr>
+        </p:nvSpPr>
         <p:spPr>
           <a:xfrm>
             <a:off x="457200" y="274638"/>
@@ -5691,14 +5950,7 @@
                 <a:latin typeface="Arial" pitchFamily="34" charset="0"/>
                 <a:cs typeface="Arial" pitchFamily="34" charset="0"/>
               </a:rPr>
-              <a:t>Bastian </a:t>
-            </a:r>
-            <a:r>
-              <a:rPr lang="de-DE" dirty="0" smtClean="0">
-                <a:latin typeface="Arial" pitchFamily="34" charset="0"/>
-                <a:cs typeface="Arial" pitchFamily="34" charset="0"/>
-              </a:rPr>
-              <a:t>Mager</a:t>
+              <a:t>Bastian Mager</a:t>
             </a:r>
           </a:p>
           <a:p>
@@ -5775,7 +6027,7 @@
                 <a:latin typeface="Arial" pitchFamily="34" charset="0"/>
                 <a:cs typeface="Arial" pitchFamily="34" charset="0"/>
               </a:rPr>
-              <a:t>6</a:t>
+              <a:t>7</a:t>
             </a:fld>
             <a:endParaRPr lang="de-DE" dirty="0">
               <a:latin typeface="Arial" pitchFamily="34" charset="0"/>
@@ -5826,8 +6078,8 @@
         </p:nvSpPr>
         <p:spPr>
           <a:xfrm>
-            <a:off x="457200" y="1700808"/>
-            <a:ext cx="8229600" cy="4425355"/>
+            <a:off x="457200" y="1484784"/>
+            <a:ext cx="8229600" cy="4641379"/>
           </a:xfrm>
         </p:spPr>
         <p:txBody>
@@ -5885,15 +6137,15 @@
                 <a:ea typeface="Verdana" pitchFamily="34" charset="0"/>
                 <a:cs typeface="Arial" pitchFamily="34" charset="0"/>
               </a:rPr>
-              <a:t>: Wie </a:t>
-            </a:r>
-            <a:r>
-              <a:rPr lang="de-DE" sz="1600" smtClean="0">
+              <a:t>: Wie viel </a:t>
+            </a:r>
+            <a:r>
+              <a:rPr lang="de-DE" sz="1600" dirty="0" smtClean="0">
                 <a:latin typeface="Arial" pitchFamily="34" charset="0"/>
                 <a:ea typeface="Verdana" pitchFamily="34" charset="0"/>
                 <a:cs typeface="Arial" pitchFamily="34" charset="0"/>
               </a:rPr>
-              <a:t>viel Design?</a:t>
+              <a:t>Design?</a:t>
             </a:r>
             <a:endParaRPr lang="de-DE" sz="1600" dirty="0" smtClean="0">
               <a:latin typeface="Arial" pitchFamily="34" charset="0"/>
@@ -6001,7 +6253,7 @@
 </p:sld>
 </file>
 
-<file path=ppt/slides/slide7.xml><?xml version="1.0" encoding="utf-8"?>
+<file path=ppt/slides/slide8.xml><?xml version="1.0" encoding="utf-8"?>
 <p:sld xmlns:a="http://schemas.openxmlformats.org/drawingml/2006/main" xmlns:r="http://schemas.openxmlformats.org/officeDocument/2006/relationships" xmlns:p="http://schemas.openxmlformats.org/presentationml/2006/main">
   <p:cSld>
     <p:spTree>
@@ -6119,11 +6371,6 @@
               </a:rPr>
               <a:t>Ebene 2 (Geschäftsobjekte)</a:t>
             </a:r>
-            <a:endParaRPr lang="de-DE" sz="2400" dirty="0" smtClean="0">
-              <a:latin typeface="Arial" pitchFamily="34" charset="0"/>
-              <a:ea typeface="Verdana" pitchFamily="34" charset="0"/>
-              <a:cs typeface="Arial" pitchFamily="34" charset="0"/>
-            </a:endParaRPr>
           </a:p>
         </p:txBody>
       </p:sp>
@@ -6147,237 +6394,7 @@
                 <a:latin typeface="Arial" pitchFamily="34" charset="0"/>
                 <a:cs typeface="Arial" pitchFamily="34" charset="0"/>
               </a:rPr>
-              <a:t>Bastian </a:t>
-            </a:r>
-            <a:r>
-              <a:rPr lang="de-DE" dirty="0" smtClean="0">
-                <a:latin typeface="Arial" pitchFamily="34" charset="0"/>
-                <a:cs typeface="Arial" pitchFamily="34" charset="0"/>
-              </a:rPr>
-              <a:t>Mager</a:t>
-            </a:r>
-          </a:p>
-          <a:p>
-            <a:r>
-              <a:rPr lang="de-DE" dirty="0" smtClean="0">
-                <a:latin typeface="Arial" pitchFamily="34" charset="0"/>
-                <a:cs typeface="Arial" pitchFamily="34" charset="0"/>
-              </a:rPr>
-              <a:t>Patrick Robinson</a:t>
-            </a:r>
-            <a:endParaRPr lang="de-DE" dirty="0">
-              <a:latin typeface="Arial" pitchFamily="34" charset="0"/>
-              <a:cs typeface="Arial" pitchFamily="34" charset="0"/>
-            </a:endParaRPr>
-          </a:p>
-        </p:txBody>
-      </p:sp>
-      <p:sp>
-        <p:nvSpPr>
-          <p:cNvPr id="5" name="Fußzeilenplatzhalter 4"/>
-          <p:cNvSpPr>
-            <a:spLocks noGrp="1"/>
-          </p:cNvSpPr>
-          <p:nvPr>
-            <p:ph type="ftr" sz="quarter" idx="11"/>
-          </p:nvPr>
-        </p:nvSpPr>
-        <p:spPr/>
-        <p:txBody>
-          <a:bodyPr/>
-          <a:lstStyle/>
-          <a:p>
-            <a:r>
-              <a:rPr lang="de-DE" dirty="0" smtClean="0">
-                <a:latin typeface="Arial" pitchFamily="34" charset="0"/>
-                <a:ea typeface="Verdana" pitchFamily="34" charset="0"/>
-                <a:cs typeface="Arial" pitchFamily="34" charset="0"/>
-              </a:rPr>
-              <a:t>Zwischenbericht Konferenzsystem</a:t>
-            </a:r>
-          </a:p>
-          <a:p>
-            <a:r>
-              <a:rPr lang="de-DE" dirty="0" smtClean="0">
-                <a:latin typeface="Arial" pitchFamily="34" charset="0"/>
-                <a:cs typeface="Arial" pitchFamily="34" charset="0"/>
-              </a:rPr>
-              <a:t>WS 2014 / 2015</a:t>
-            </a:r>
-            <a:endParaRPr lang="de-DE" dirty="0">
-              <a:latin typeface="Arial" pitchFamily="34" charset="0"/>
-              <a:cs typeface="Arial" pitchFamily="34" charset="0"/>
-            </a:endParaRPr>
-          </a:p>
-        </p:txBody>
-      </p:sp>
-      <p:sp>
-        <p:nvSpPr>
-          <p:cNvPr id="6" name="Foliennummernplatzhalter 5"/>
-          <p:cNvSpPr>
-            <a:spLocks noGrp="1"/>
-          </p:cNvSpPr>
-          <p:nvPr>
-            <p:ph type="sldNum" sz="quarter" idx="12"/>
-          </p:nvPr>
-        </p:nvSpPr>
-        <p:spPr/>
-        <p:txBody>
-          <a:bodyPr/>
-          <a:lstStyle/>
-          <a:p>
-            <a:fld id="{1C3A6E7F-622B-4F14-9E5C-4F574E6FA89A}" type="slidenum">
-              <a:rPr lang="de-DE" smtClean="0">
-                <a:latin typeface="Arial" pitchFamily="34" charset="0"/>
-                <a:cs typeface="Arial" pitchFamily="34" charset="0"/>
-              </a:rPr>
-              <a:t>7</a:t>
-            </a:fld>
-            <a:endParaRPr lang="de-DE" dirty="0">
-              <a:latin typeface="Arial" pitchFamily="34" charset="0"/>
-              <a:cs typeface="Arial" pitchFamily="34" charset="0"/>
-            </a:endParaRPr>
-          </a:p>
-        </p:txBody>
-      </p:sp>
-    </p:spTree>
-    <p:extLst>
-      <p:ext uri="{BB962C8B-B14F-4D97-AF65-F5344CB8AC3E}">
-        <p14:creationId xmlns:p14="http://schemas.microsoft.com/office/powerpoint/2010/main" val="1171680623"/>
-      </p:ext>
-    </p:extLst>
-  </p:cSld>
-  <p:clrMapOvr>
-    <a:masterClrMapping/>
-  </p:clrMapOvr>
-  <p:timing>
-    <p:tnLst>
-      <p:par>
-        <p:cTn id="1" dur="indefinite" restart="never" nodeType="tmRoot"/>
-      </p:par>
-    </p:tnLst>
-  </p:timing>
-</p:sld>
-</file>
-
-<file path=ppt/slides/slide8.xml><?xml version="1.0" encoding="utf-8"?>
-<p:sld xmlns:a="http://schemas.openxmlformats.org/drawingml/2006/main" xmlns:r="http://schemas.openxmlformats.org/officeDocument/2006/relationships" xmlns:p="http://schemas.openxmlformats.org/presentationml/2006/main">
-  <p:cSld>
-    <p:spTree>
-      <p:nvGrpSpPr>
-        <p:cNvPr id="1" name=""/>
-        <p:cNvGrpSpPr/>
-        <p:nvPr/>
-      </p:nvGrpSpPr>
-      <p:grpSpPr>
-        <a:xfrm>
-          <a:off x="0" y="0"/>
-          <a:ext cx="0" cy="0"/>
-          <a:chOff x="0" y="0"/>
-          <a:chExt cx="0" cy="0"/>
-        </a:xfrm>
-      </p:grpSpPr>
-      <p:sp>
-        <p:nvSpPr>
-          <p:cNvPr id="2" name="Titel 1"/>
-          <p:cNvSpPr>
-            <a:spLocks noGrp="1"/>
-          </p:cNvSpPr>
-          <p:nvPr>
-            <p:ph type="title"/>
-          </p:nvPr>
-        </p:nvSpPr>
-        <p:spPr>
-          <a:xfrm>
-            <a:off x="457200" y="274638"/>
-            <a:ext cx="8229600" cy="994122"/>
-          </a:xfrm>
-        </p:spPr>
-        <p:txBody>
-          <a:bodyPr>
-            <a:normAutofit/>
-          </a:bodyPr>
-          <a:lstStyle/>
-          <a:p>
-            <a:r>
-              <a:rPr lang="de-DE" sz="4000" dirty="0" smtClean="0">
-                <a:latin typeface="Arial" pitchFamily="34" charset="0"/>
-                <a:ea typeface="Verdana" pitchFamily="34" charset="0"/>
-                <a:cs typeface="Arial" pitchFamily="34" charset="0"/>
-              </a:rPr>
-              <a:t>Risiken</a:t>
-            </a:r>
-            <a:endParaRPr lang="de-DE" sz="4000" dirty="0">
-              <a:latin typeface="Arial" pitchFamily="34" charset="0"/>
-              <a:ea typeface="Verdana" pitchFamily="34" charset="0"/>
-              <a:cs typeface="Arial" pitchFamily="34" charset="0"/>
-            </a:endParaRPr>
-          </a:p>
-        </p:txBody>
-      </p:sp>
-      <p:sp>
-        <p:nvSpPr>
-          <p:cNvPr id="3" name="Inhaltsplatzhalter 2"/>
-          <p:cNvSpPr>
-            <a:spLocks noGrp="1"/>
-          </p:cNvSpPr>
-          <p:nvPr>
-            <p:ph idx="1"/>
-          </p:nvPr>
-        </p:nvSpPr>
-        <p:spPr>
-          <a:xfrm>
-            <a:off x="457200" y="1700808"/>
-            <a:ext cx="8229600" cy="4425355"/>
-          </a:xfrm>
-        </p:spPr>
-        <p:txBody>
-          <a:bodyPr>
-            <a:normAutofit/>
-          </a:bodyPr>
-          <a:lstStyle/>
-          <a:p>
-            <a:pPr>
-              <a:buClr>
-                <a:srgbClr val="28BFEE"/>
-              </a:buClr>
-            </a:pPr>
-            <a:endParaRPr lang="de-DE" sz="2400" dirty="0" smtClean="0">
-              <a:latin typeface="Arial" pitchFamily="34" charset="0"/>
-              <a:ea typeface="Verdana" pitchFamily="34" charset="0"/>
-              <a:cs typeface="Arial" pitchFamily="34" charset="0"/>
-            </a:endParaRPr>
-          </a:p>
-        </p:txBody>
-      </p:sp>
-      <p:sp>
-        <p:nvSpPr>
-          <p:cNvPr id="4" name="Datumsplatzhalter 3"/>
-          <p:cNvSpPr>
-            <a:spLocks noGrp="1"/>
-          </p:cNvSpPr>
-          <p:nvPr>
-            <p:ph type="dt" sz="half" idx="10"/>
-          </p:nvPr>
-        </p:nvSpPr>
-        <p:spPr/>
-        <p:txBody>
-          <a:bodyPr/>
-          <a:lstStyle/>
-          <a:p>
-            <a:r>
-              <a:rPr lang="de-DE" dirty="0" smtClean="0">
-                <a:latin typeface="Arial" pitchFamily="34" charset="0"/>
-                <a:cs typeface="Arial" pitchFamily="34" charset="0"/>
-              </a:rPr>
-              <a:t>Bastian </a:t>
-            </a:r>
-            <a:r>
-              <a:rPr lang="de-DE" dirty="0" smtClean="0">
-                <a:latin typeface="Arial" pitchFamily="34" charset="0"/>
-                <a:cs typeface="Arial" pitchFamily="34" charset="0"/>
-              </a:rPr>
-              <a:t>Mager</a:t>
+              <a:t>Bastian Mager</a:t>
             </a:r>
           </a:p>
           <a:p>
@@ -6466,230 +6483,7 @@
     </p:spTree>
     <p:extLst>
       <p:ext uri="{BB962C8B-B14F-4D97-AF65-F5344CB8AC3E}">
-        <p14:creationId xmlns:p14="http://schemas.microsoft.com/office/powerpoint/2010/main" val="961818352"/>
-      </p:ext>
-    </p:extLst>
-  </p:cSld>
-  <p:clrMapOvr>
-    <a:masterClrMapping/>
-  </p:clrMapOvr>
-  <p:timing>
-    <p:tnLst>
-      <p:par>
-        <p:cTn id="1" dur="indefinite" restart="never" nodeType="tmRoot"/>
-      </p:par>
-    </p:tnLst>
-  </p:timing>
-</p:sld>
-</file>
-
-<file path=ppt/slides/slide9.xml><?xml version="1.0" encoding="utf-8"?>
-<p:sld xmlns:a="http://schemas.openxmlformats.org/drawingml/2006/main" xmlns:r="http://schemas.openxmlformats.org/officeDocument/2006/relationships" xmlns:p="http://schemas.openxmlformats.org/presentationml/2006/main">
-  <p:cSld>
-    <p:spTree>
-      <p:nvGrpSpPr>
-        <p:cNvPr id="1" name=""/>
-        <p:cNvGrpSpPr/>
-        <p:nvPr/>
-      </p:nvGrpSpPr>
-      <p:grpSpPr>
-        <a:xfrm>
-          <a:off x="0" y="0"/>
-          <a:ext cx="0" cy="0"/>
-          <a:chOff x="0" y="0"/>
-          <a:chExt cx="0" cy="0"/>
-        </a:xfrm>
-      </p:grpSpPr>
-      <p:sp>
-        <p:nvSpPr>
-          <p:cNvPr id="2" name="Titel 1"/>
-          <p:cNvSpPr>
-            <a:spLocks noGrp="1"/>
-          </p:cNvSpPr>
-          <p:nvPr>
-            <p:ph type="title"/>
-          </p:nvPr>
-        </p:nvSpPr>
-        <p:spPr>
-          <a:xfrm>
-            <a:off x="457200" y="274638"/>
-            <a:ext cx="8229600" cy="994122"/>
-          </a:xfrm>
-        </p:spPr>
-        <p:txBody>
-          <a:bodyPr>
-            <a:normAutofit/>
-          </a:bodyPr>
-          <a:lstStyle/>
-          <a:p>
-            <a:r>
-              <a:rPr lang="de-DE" sz="4000" dirty="0" smtClean="0">
-                <a:latin typeface="Arial" pitchFamily="34" charset="0"/>
-                <a:ea typeface="Verdana" pitchFamily="34" charset="0"/>
-                <a:cs typeface="Arial" pitchFamily="34" charset="0"/>
-              </a:rPr>
-              <a:t>Nicht behandelte Aspekte</a:t>
-            </a:r>
-            <a:endParaRPr lang="de-DE" sz="4000" dirty="0">
-              <a:latin typeface="Arial" pitchFamily="34" charset="0"/>
-              <a:ea typeface="Verdana" pitchFamily="34" charset="0"/>
-              <a:cs typeface="Arial" pitchFamily="34" charset="0"/>
-            </a:endParaRPr>
-          </a:p>
-        </p:txBody>
-      </p:sp>
-      <p:sp>
-        <p:nvSpPr>
-          <p:cNvPr id="3" name="Inhaltsplatzhalter 2"/>
-          <p:cNvSpPr>
-            <a:spLocks noGrp="1"/>
-          </p:cNvSpPr>
-          <p:nvPr>
-            <p:ph idx="1"/>
-          </p:nvPr>
-        </p:nvSpPr>
-        <p:spPr>
-          <a:xfrm>
-            <a:off x="457200" y="1700808"/>
-            <a:ext cx="8229600" cy="4425355"/>
-          </a:xfrm>
-        </p:spPr>
-        <p:txBody>
-          <a:bodyPr>
-            <a:normAutofit/>
-          </a:bodyPr>
-          <a:lstStyle/>
-          <a:p>
-            <a:pPr>
-              <a:buClr>
-                <a:srgbClr val="28BFEE"/>
-              </a:buClr>
-            </a:pPr>
-            <a:endParaRPr lang="de-DE" sz="2400" dirty="0" smtClean="0">
-              <a:latin typeface="Arial" pitchFamily="34" charset="0"/>
-              <a:ea typeface="Verdana" pitchFamily="34" charset="0"/>
-              <a:cs typeface="Arial" pitchFamily="34" charset="0"/>
-            </a:endParaRPr>
-          </a:p>
-        </p:txBody>
-      </p:sp>
-      <p:sp>
-        <p:nvSpPr>
-          <p:cNvPr id="4" name="Datumsplatzhalter 3"/>
-          <p:cNvSpPr>
-            <a:spLocks noGrp="1"/>
-          </p:cNvSpPr>
-          <p:nvPr>
-            <p:ph type="dt" sz="half" idx="10"/>
-          </p:nvPr>
-        </p:nvSpPr>
-        <p:spPr/>
-        <p:txBody>
-          <a:bodyPr/>
-          <a:lstStyle/>
-          <a:p>
-            <a:r>
-              <a:rPr lang="de-DE" dirty="0" smtClean="0">
-                <a:latin typeface="Arial" pitchFamily="34" charset="0"/>
-                <a:cs typeface="Arial" pitchFamily="34" charset="0"/>
-              </a:rPr>
-              <a:t>Bastian </a:t>
-            </a:r>
-            <a:r>
-              <a:rPr lang="de-DE" dirty="0" smtClean="0">
-                <a:latin typeface="Arial" pitchFamily="34" charset="0"/>
-                <a:cs typeface="Arial" pitchFamily="34" charset="0"/>
-              </a:rPr>
-              <a:t>Mager</a:t>
-            </a:r>
-          </a:p>
-          <a:p>
-            <a:r>
-              <a:rPr lang="de-DE" dirty="0" smtClean="0">
-                <a:latin typeface="Arial" pitchFamily="34" charset="0"/>
-                <a:cs typeface="Arial" pitchFamily="34" charset="0"/>
-              </a:rPr>
-              <a:t>Patrick Robinson</a:t>
-            </a:r>
-            <a:endParaRPr lang="de-DE" dirty="0">
-              <a:latin typeface="Arial" pitchFamily="34" charset="0"/>
-              <a:cs typeface="Arial" pitchFamily="34" charset="0"/>
-            </a:endParaRPr>
-          </a:p>
-        </p:txBody>
-      </p:sp>
-      <p:sp>
-        <p:nvSpPr>
-          <p:cNvPr id="5" name="Fußzeilenplatzhalter 4"/>
-          <p:cNvSpPr>
-            <a:spLocks noGrp="1"/>
-          </p:cNvSpPr>
-          <p:nvPr>
-            <p:ph type="ftr" sz="quarter" idx="11"/>
-          </p:nvPr>
-        </p:nvSpPr>
-        <p:spPr/>
-        <p:txBody>
-          <a:bodyPr/>
-          <a:lstStyle/>
-          <a:p>
-            <a:r>
-              <a:rPr lang="de-DE" dirty="0" smtClean="0">
-                <a:latin typeface="Arial" pitchFamily="34" charset="0"/>
-                <a:ea typeface="Verdana" pitchFamily="34" charset="0"/>
-                <a:cs typeface="Arial" pitchFamily="34" charset="0"/>
-              </a:rPr>
-              <a:t>Zwischenbericht Konferenzsystem</a:t>
-            </a:r>
-          </a:p>
-          <a:p>
-            <a:r>
-              <a:rPr lang="de-DE" dirty="0" smtClean="0">
-                <a:latin typeface="Arial" pitchFamily="34" charset="0"/>
-                <a:cs typeface="Arial" pitchFamily="34" charset="0"/>
-              </a:rPr>
-              <a:t>WS 2014 / 2015</a:t>
-            </a:r>
-            <a:endParaRPr lang="de-DE" dirty="0">
-              <a:latin typeface="Arial" pitchFamily="34" charset="0"/>
-              <a:cs typeface="Arial" pitchFamily="34" charset="0"/>
-            </a:endParaRPr>
-          </a:p>
-        </p:txBody>
-      </p:sp>
-      <p:sp>
-        <p:nvSpPr>
-          <p:cNvPr id="6" name="Foliennummernplatzhalter 5"/>
-          <p:cNvSpPr>
-            <a:spLocks noGrp="1"/>
-          </p:cNvSpPr>
-          <p:nvPr>
-            <p:ph type="sldNum" sz="quarter" idx="12"/>
-          </p:nvPr>
-        </p:nvSpPr>
-        <p:spPr/>
-        <p:txBody>
-          <a:bodyPr/>
-          <a:lstStyle/>
-          <a:p>
-            <a:fld id="{1C3A6E7F-622B-4F14-9E5C-4F574E6FA89A}" type="slidenum">
-              <a:rPr lang="de-DE" smtClean="0">
-                <a:latin typeface="Arial" pitchFamily="34" charset="0"/>
-                <a:cs typeface="Arial" pitchFamily="34" charset="0"/>
-              </a:rPr>
-              <a:t>9</a:t>
-            </a:fld>
-            <a:endParaRPr lang="de-DE" dirty="0">
-              <a:latin typeface="Arial" pitchFamily="34" charset="0"/>
-              <a:cs typeface="Arial" pitchFamily="34" charset="0"/>
-            </a:endParaRPr>
-          </a:p>
-        </p:txBody>
-      </p:sp>
-    </p:spTree>
-    <p:extLst>
-      <p:ext uri="{BB962C8B-B14F-4D97-AF65-F5344CB8AC3E}">
-        <p14:creationId xmlns:p14="http://schemas.microsoft.com/office/powerpoint/2010/main" val="3270941738"/>
+        <p14:creationId xmlns:p14="http://schemas.microsoft.com/office/powerpoint/2010/main" val="1171680623"/>
       </p:ext>
     </p:extLst>
   </p:cSld>
